--- a/Collaborative Filtering Recommendation System with Apache Spark using Scala_Group 12.pptx
+++ b/Collaborative Filtering Recommendation System with Apache Spark using Scala_Group 12.pptx
@@ -11,7 +11,8 @@
     <p:sldId id="258" r:id="rId5"/>
     <p:sldId id="259" r:id="rId6"/>
     <p:sldId id="261" r:id="rId7"/>
-    <p:sldId id="263" r:id="rId8"/>
+    <p:sldId id="265" r:id="rId8"/>
+    <p:sldId id="263" r:id="rId9"/>
   </p:sldIdLst>
   <p:sldSz cx="12192000" cy="6858000"/>
   <p:notesSz cx="6858000" cy="9144000"/>
@@ -5819,6 +5820,149 @@
           <p:cNvPr id="2" name="Title 1">
             <a:extLst>
               <a:ext uri="{FF2B5EF4-FFF2-40B4-BE49-F238E27FC236}">
+                <a16:creationId xmlns:a16="http://schemas.microsoft.com/office/drawing/2014/main" id="{399C8CC4-3DF0-E04F-878A-35D2F8ACCACA}"/>
+              </a:ext>
+            </a:extLst>
+          </p:cNvPr>
+          <p:cNvSpPr>
+            <a:spLocks noGrp="1"/>
+          </p:cNvSpPr>
+          <p:nvPr>
+            <p:ph type="title"/>
+          </p:nvPr>
+        </p:nvSpPr>
+        <p:spPr/>
+        <p:txBody>
+          <a:bodyPr/>
+          <a:lstStyle/>
+          <a:p>
+            <a:r>
+              <a:rPr lang="en-US" dirty="0"/>
+              <a:t>Milestones</a:t>
+            </a:r>
+          </a:p>
+        </p:txBody>
+      </p:sp>
+      <p:sp>
+        <p:nvSpPr>
+          <p:cNvPr id="3" name="Content Placeholder 2">
+            <a:extLst>
+              <a:ext uri="{FF2B5EF4-FFF2-40B4-BE49-F238E27FC236}">
+                <a16:creationId xmlns:a16="http://schemas.microsoft.com/office/drawing/2014/main" id="{584B69B3-76A0-9A4B-9F55-8D0C50EAF303}"/>
+              </a:ext>
+            </a:extLst>
+          </p:cNvPr>
+          <p:cNvSpPr>
+            <a:spLocks noGrp="1"/>
+          </p:cNvSpPr>
+          <p:nvPr>
+            <p:ph idx="1"/>
+          </p:nvPr>
+        </p:nvSpPr>
+        <p:spPr/>
+        <p:txBody>
+          <a:bodyPr/>
+          <a:lstStyle/>
+          <a:p>
+            <a:pPr marL="0" lvl="0" indent="0">
+              <a:spcBef>
+                <a:spcPts val="0"/>
+              </a:spcBef>
+              <a:spcAft>
+                <a:spcPts val="0"/>
+              </a:spcAft>
+              <a:buNone/>
+            </a:pPr>
+            <a:r>
+              <a:rPr lang="en-US" dirty="0"/>
+              <a:t>Nov 15 -&gt; Project Proposal Acceptance</a:t>
+            </a:r>
+          </a:p>
+          <a:p>
+            <a:pPr marL="0" lvl="0" indent="0">
+              <a:spcBef>
+                <a:spcPts val="1600"/>
+              </a:spcBef>
+              <a:spcAft>
+                <a:spcPts val="0"/>
+              </a:spcAft>
+              <a:buNone/>
+            </a:pPr>
+            <a:r>
+              <a:rPr lang="en-US" dirty="0"/>
+              <a:t>Nov 22 -&gt;Infrastructure ready Spark Streaming + Spark Analytics Engine</a:t>
+            </a:r>
+          </a:p>
+          <a:p>
+            <a:pPr marL="0" lvl="0" indent="0">
+              <a:spcBef>
+                <a:spcPts val="1600"/>
+              </a:spcBef>
+              <a:spcAft>
+                <a:spcPts val="0"/>
+              </a:spcAft>
+              <a:buNone/>
+            </a:pPr>
+            <a:r>
+              <a:rPr lang="en-US" dirty="0"/>
+              <a:t>Nov 29 -&gt;Build model</a:t>
+            </a:r>
+          </a:p>
+          <a:p>
+            <a:pPr marL="0" lvl="0" indent="0">
+              <a:spcBef>
+                <a:spcPts val="1600"/>
+              </a:spcBef>
+              <a:spcAft>
+                <a:spcPts val="0"/>
+              </a:spcAft>
+              <a:buNone/>
+            </a:pPr>
+            <a:r>
+              <a:rPr lang="en-US" dirty="0"/>
+              <a:t>Dec  6 -&gt; Test cases and final evaluation</a:t>
+            </a:r>
+          </a:p>
+          <a:p>
+            <a:endParaRPr lang="en-US" dirty="0"/>
+          </a:p>
+        </p:txBody>
+      </p:sp>
+    </p:spTree>
+    <p:extLst>
+      <p:ext uri="{BB962C8B-B14F-4D97-AF65-F5344CB8AC3E}">
+        <p14:creationId xmlns:p14="http://schemas.microsoft.com/office/powerpoint/2010/main" val="322518638"/>
+      </p:ext>
+    </p:extLst>
+  </p:cSld>
+  <p:clrMapOvr>
+    <a:masterClrMapping/>
+  </p:clrMapOvr>
+</p:sld>
+</file>
+
+<file path=ppt/slides/slide8.xml><?xml version="1.0" encoding="utf-8"?>
+<p:sld xmlns:a="http://schemas.openxmlformats.org/drawingml/2006/main" xmlns:r="http://schemas.openxmlformats.org/officeDocument/2006/relationships" xmlns:p="http://schemas.openxmlformats.org/presentationml/2006/main">
+  <p:cSld>
+    <p:spTree>
+      <p:nvGrpSpPr>
+        <p:cNvPr id="1" name=""/>
+        <p:cNvGrpSpPr/>
+        <p:nvPr/>
+      </p:nvGrpSpPr>
+      <p:grpSpPr>
+        <a:xfrm>
+          <a:off x="0" y="0"/>
+          <a:ext cx="0" cy="0"/>
+          <a:chOff x="0" y="0"/>
+          <a:chExt cx="0" cy="0"/>
+        </a:xfrm>
+      </p:grpSpPr>
+      <p:sp>
+        <p:nvSpPr>
+          <p:cNvPr id="2" name="Title 1">
+            <a:extLst>
+              <a:ext uri="{FF2B5EF4-FFF2-40B4-BE49-F238E27FC236}">
                 <a16:creationId xmlns:a16="http://schemas.microsoft.com/office/drawing/2014/main" id="{B66BBD81-8FA1-4EC0-842D-35467429FB4B}"/>
               </a:ext>
             </a:extLst>
